--- a/presentation slide.pptx
+++ b/presentation slide.pptx
@@ -116,6 +116,11 @@
       </a:defRPr>
     </a:lvl9pPr>
   </p:defaultTextStyle>
+  <p:extLst>
+    <p:ext uri="{EFAFB233-063F-42B5-8137-9DF3F51BA10A}">
+      <p15:sldGuideLst xmlns:p15="http://schemas.microsoft.com/office/powerpoint/2012/main"/>
+    </p:ext>
+  </p:extLst>
 </p:presentation>
 </file>
 
@@ -15256,13 +15261,6 @@
             <a:pPr lvl="1"/>
             <a:r>
               <a:rPr lang="en-US" altLang="zh-TW" dirty="0"/>
-              <a:t>Benchmark</a:t>
-            </a:r>
-          </a:p>
-          <a:p>
-            <a:pPr lvl="1"/>
-            <a:r>
-              <a:rPr lang="en-US" altLang="zh-TW" dirty="0"/>
               <a:t>Optimize</a:t>
             </a:r>
             <a:endParaRPr lang="zh-TW" altLang="en-US" dirty="0"/>
@@ -15283,7 +15281,7 @@
         </p:nvSpPr>
         <p:spPr>
           <a:xfrm>
-            <a:off x="4746396" y="3289955"/>
+            <a:off x="4982070" y="3289955"/>
             <a:ext cx="1668544" cy="681188"/>
           </a:xfrm>
           <a:prstGeom prst="ellipse">
@@ -15331,7 +15329,7 @@
         </p:nvSpPr>
         <p:spPr>
           <a:xfrm>
-            <a:off x="4746396" y="4466466"/>
+            <a:off x="4982070" y="4466466"/>
             <a:ext cx="1668544" cy="681188"/>
           </a:xfrm>
           <a:prstGeom prst="ellipse">
@@ -15379,7 +15377,7 @@
         </p:nvSpPr>
         <p:spPr>
           <a:xfrm>
-            <a:off x="4713403" y="5485948"/>
+            <a:off x="4949077" y="5485948"/>
             <a:ext cx="1734529" cy="681188"/>
           </a:xfrm>
           <a:prstGeom prst="ellipse">
@@ -15431,7 +15429,7 @@
         </p:nvCxnSpPr>
         <p:spPr>
           <a:xfrm>
-            <a:off x="5580668" y="3971143"/>
+            <a:off x="5816342" y="3971143"/>
             <a:ext cx="0" cy="495323"/>
           </a:xfrm>
           <a:prstGeom prst="straightConnector1">
@@ -15470,7 +15468,7 @@
         </p:nvSpPr>
         <p:spPr>
           <a:xfrm>
-            <a:off x="7135411" y="3289955"/>
+            <a:off x="7338354" y="3842555"/>
             <a:ext cx="1900181" cy="681188"/>
           </a:xfrm>
           <a:prstGeom prst="ellipse">
@@ -15506,53 +15504,6 @@
       </p:sp>
       <p:cxnSp>
         <p:nvCxnSpPr>
-          <p:cNvPr id="35" name="直線單箭頭接點 34">
-            <a:extLst>
-              <a:ext uri="{FF2B5EF4-FFF2-40B4-BE49-F238E27FC236}">
-                <a16:creationId xmlns:a16="http://schemas.microsoft.com/office/drawing/2014/main" id="{C229B033-970F-4815-AC53-2B355201A0BD}"/>
-              </a:ext>
-            </a:extLst>
-          </p:cNvPr>
-          <p:cNvCxnSpPr>
-            <a:cxnSpLocks/>
-            <a:stCxn id="5" idx="6"/>
-            <a:endCxn id="43" idx="2"/>
-          </p:cNvCxnSpPr>
-          <p:nvPr/>
-        </p:nvCxnSpPr>
-        <p:spPr>
-          <a:xfrm flipV="1">
-            <a:off x="6414940" y="4805910"/>
-            <a:ext cx="720471" cy="1150"/>
-          </a:xfrm>
-          <a:prstGeom prst="straightConnector1">
-            <a:avLst/>
-          </a:prstGeom>
-          <a:ln>
-            <a:solidFill>
-              <a:srgbClr val="B31166"/>
-            </a:solidFill>
-            <a:headEnd type="arrow" w="med" len="med"/>
-            <a:tailEnd type="arrow" w="med" len="med"/>
-          </a:ln>
-        </p:spPr>
-        <p:style>
-          <a:lnRef idx="3">
-            <a:schemeClr val="dk1"/>
-          </a:lnRef>
-          <a:fillRef idx="0">
-            <a:schemeClr val="dk1"/>
-          </a:fillRef>
-          <a:effectRef idx="2">
-            <a:schemeClr val="dk1"/>
-          </a:effectRef>
-          <a:fontRef idx="minor">
-            <a:schemeClr val="tx1"/>
-          </a:fontRef>
-        </p:style>
-      </p:cxnSp>
-      <p:cxnSp>
-        <p:nvCxnSpPr>
           <p:cNvPr id="37" name="直線單箭頭接點 36">
             <a:extLst>
               <a:ext uri="{FF2B5EF4-FFF2-40B4-BE49-F238E27FC236}">
@@ -15569,8 +15520,8 @@
         </p:nvCxnSpPr>
         <p:spPr>
           <a:xfrm flipH="1">
-            <a:off x="6414940" y="3630549"/>
-            <a:ext cx="720471" cy="1176511"/>
+            <a:off x="6650614" y="4183149"/>
+            <a:ext cx="687740" cy="623911"/>
           </a:xfrm>
           <a:prstGeom prst="straightConnector1">
             <a:avLst/>
@@ -15595,54 +15546,6 @@
           </a:fontRef>
         </p:style>
       </p:cxnSp>
-      <p:sp>
-        <p:nvSpPr>
-          <p:cNvPr id="43" name="橢圓 42">
-            <a:extLst>
-              <a:ext uri="{FF2B5EF4-FFF2-40B4-BE49-F238E27FC236}">
-                <a16:creationId xmlns:a16="http://schemas.microsoft.com/office/drawing/2014/main" id="{CFD5D502-3FBA-4D58-BDEB-D2E0ECF18C8B}"/>
-              </a:ext>
-            </a:extLst>
-          </p:cNvPr>
-          <p:cNvSpPr/>
-          <p:nvPr/>
-        </p:nvSpPr>
-        <p:spPr>
-          <a:xfrm>
-            <a:off x="7135411" y="4465316"/>
-            <a:ext cx="2428082" cy="681188"/>
-          </a:xfrm>
-          <a:prstGeom prst="ellipse">
-            <a:avLst/>
-          </a:prstGeom>
-        </p:spPr>
-        <p:style>
-          <a:lnRef idx="0">
-            <a:schemeClr val="accent1"/>
-          </a:lnRef>
-          <a:fillRef idx="3">
-            <a:schemeClr val="accent1"/>
-          </a:fillRef>
-          <a:effectRef idx="3">
-            <a:schemeClr val="accent1"/>
-          </a:effectRef>
-          <a:fontRef idx="minor">
-            <a:schemeClr val="lt1"/>
-          </a:fontRef>
-        </p:style>
-        <p:txBody>
-          <a:bodyPr rtlCol="0" anchor="ctr"/>
-          <a:lstStyle/>
-          <a:p>
-            <a:pPr algn="ctr"/>
-            <a:r>
-              <a:rPr lang="en-US" altLang="zh-TW" dirty="0" err="1"/>
-              <a:t>Benchmarker</a:t>
-            </a:r>
-            <a:endParaRPr lang="zh-TW" altLang="en-US" dirty="0"/>
-          </a:p>
-        </p:txBody>
-      </p:sp>
       <p:cxnSp>
         <p:nvCxnSpPr>
           <p:cNvPr id="57" name="直線單箭頭接點 56">
@@ -15661,7 +15564,7 @@
         </p:nvCxnSpPr>
         <p:spPr>
           <a:xfrm>
-            <a:off x="5580668" y="5147654"/>
+            <a:off x="5816342" y="5147654"/>
             <a:ext cx="0" cy="338294"/>
           </a:xfrm>
           <a:prstGeom prst="straightConnector1">
@@ -15688,54 +15591,6 @@
       </p:cxnSp>
       <p:sp>
         <p:nvSpPr>
-          <p:cNvPr id="62" name="矩形: 圓角 61">
-            <a:extLst>
-              <a:ext uri="{FF2B5EF4-FFF2-40B4-BE49-F238E27FC236}">
-                <a16:creationId xmlns:a16="http://schemas.microsoft.com/office/drawing/2014/main" id="{D9F27061-72DC-4689-A0D6-DA2970033C50}"/>
-              </a:ext>
-            </a:extLst>
-          </p:cNvPr>
-          <p:cNvSpPr/>
-          <p:nvPr/>
-        </p:nvSpPr>
-        <p:spPr>
-          <a:xfrm>
-            <a:off x="9970615" y="4652392"/>
-            <a:ext cx="1621906" cy="307036"/>
-          </a:xfrm>
-          <a:prstGeom prst="roundRect">
-            <a:avLst/>
-          </a:prstGeom>
-        </p:spPr>
-        <p:style>
-          <a:lnRef idx="0">
-            <a:schemeClr val="accent1"/>
-          </a:lnRef>
-          <a:fillRef idx="3">
-            <a:schemeClr val="accent1"/>
-          </a:fillRef>
-          <a:effectRef idx="3">
-            <a:schemeClr val="accent1"/>
-          </a:effectRef>
-          <a:fontRef idx="minor">
-            <a:schemeClr val="lt1"/>
-          </a:fontRef>
-        </p:style>
-        <p:txBody>
-          <a:bodyPr rtlCol="0" anchor="ctr"/>
-          <a:lstStyle/>
-          <a:p>
-            <a:pPr algn="ctr"/>
-            <a:r>
-              <a:rPr lang="en-US" altLang="zh-TW" dirty="0"/>
-              <a:t>Benchmark</a:t>
-            </a:r>
-            <a:endParaRPr lang="zh-TW" altLang="en-US" dirty="0"/>
-          </a:p>
-        </p:txBody>
-      </p:sp>
-      <p:sp>
-        <p:nvSpPr>
           <p:cNvPr id="63" name="矩形: 圓角 62">
             <a:extLst>
               <a:ext uri="{FF2B5EF4-FFF2-40B4-BE49-F238E27FC236}">
@@ -15748,7 +15603,7 @@
         </p:nvSpPr>
         <p:spPr>
           <a:xfrm>
-            <a:off x="6872145" y="5674234"/>
+            <a:off x="7107819" y="5674234"/>
             <a:ext cx="1759461" cy="307036"/>
           </a:xfrm>
           <a:prstGeom prst="roundRect">
@@ -15784,50 +15639,6 @@
       </p:sp>
       <p:cxnSp>
         <p:nvCxnSpPr>
-          <p:cNvPr id="78" name="直線單箭頭接點 77">
-            <a:extLst>
-              <a:ext uri="{FF2B5EF4-FFF2-40B4-BE49-F238E27FC236}">
-                <a16:creationId xmlns:a16="http://schemas.microsoft.com/office/drawing/2014/main" id="{965188EE-2541-4D46-950A-26647CAAF523}"/>
-              </a:ext>
-            </a:extLst>
-          </p:cNvPr>
-          <p:cNvCxnSpPr>
-            <a:cxnSpLocks/>
-            <a:stCxn id="4" idx="6"/>
-            <a:endCxn id="43" idx="2"/>
-          </p:cNvCxnSpPr>
-          <p:nvPr/>
-        </p:nvCxnSpPr>
-        <p:spPr>
-          <a:xfrm>
-            <a:off x="6414940" y="3630549"/>
-            <a:ext cx="720471" cy="1175361"/>
-          </a:xfrm>
-          <a:prstGeom prst="straightConnector1">
-            <a:avLst/>
-          </a:prstGeom>
-          <a:ln>
-            <a:headEnd type="arrow" w="med" len="med"/>
-            <a:tailEnd type="arrow" w="med" len="med"/>
-          </a:ln>
-        </p:spPr>
-        <p:style>
-          <a:lnRef idx="3">
-            <a:schemeClr val="accent1"/>
-          </a:lnRef>
-          <a:fillRef idx="0">
-            <a:schemeClr val="accent1"/>
-          </a:fillRef>
-          <a:effectRef idx="2">
-            <a:schemeClr val="accent1"/>
-          </a:effectRef>
-          <a:fontRef idx="minor">
-            <a:schemeClr val="tx1"/>
-          </a:fontRef>
-        </p:style>
-      </p:cxnSp>
-      <p:cxnSp>
-        <p:nvCxnSpPr>
           <p:cNvPr id="81" name="直線單箭頭接點 80">
             <a:extLst>
               <a:ext uri="{FF2B5EF4-FFF2-40B4-BE49-F238E27FC236}">
@@ -15844,8 +15655,8 @@
         </p:nvCxnSpPr>
         <p:spPr>
           <a:xfrm>
-            <a:off x="6414940" y="3630549"/>
-            <a:ext cx="720471" cy="0"/>
+            <a:off x="6650614" y="3630549"/>
+            <a:ext cx="687740" cy="552600"/>
           </a:xfrm>
           <a:prstGeom prst="straightConnector1">
             <a:avLst/>
@@ -15888,51 +15699,8 @@
         </p:nvCxnSpPr>
         <p:spPr>
           <a:xfrm>
-            <a:off x="6447932" y="5826542"/>
+            <a:off x="6683606" y="5826542"/>
             <a:ext cx="424213" cy="1210"/>
-          </a:xfrm>
-          <a:prstGeom prst="straightConnector1">
-            <a:avLst/>
-          </a:prstGeom>
-          <a:ln w="38100">
-            <a:tailEnd type="triangle"/>
-          </a:ln>
-        </p:spPr>
-        <p:style>
-          <a:lnRef idx="3">
-            <a:schemeClr val="accent1"/>
-          </a:lnRef>
-          <a:fillRef idx="0">
-            <a:schemeClr val="accent1"/>
-          </a:fillRef>
-          <a:effectRef idx="2">
-            <a:schemeClr val="accent1"/>
-          </a:effectRef>
-          <a:fontRef idx="minor">
-            <a:schemeClr val="tx1"/>
-          </a:fontRef>
-        </p:style>
-      </p:cxnSp>
-      <p:cxnSp>
-        <p:nvCxnSpPr>
-          <p:cNvPr id="91" name="直線單箭頭接點 90">
-            <a:extLst>
-              <a:ext uri="{FF2B5EF4-FFF2-40B4-BE49-F238E27FC236}">
-                <a16:creationId xmlns:a16="http://schemas.microsoft.com/office/drawing/2014/main" id="{AF26BEA6-8CE9-45B1-83A6-8790E625F507}"/>
-              </a:ext>
-            </a:extLst>
-          </p:cNvPr>
-          <p:cNvCxnSpPr>
-            <a:cxnSpLocks/>
-            <a:stCxn id="43" idx="6"/>
-            <a:endCxn id="62" idx="1"/>
-          </p:cNvCxnSpPr>
-          <p:nvPr/>
-        </p:nvCxnSpPr>
-        <p:spPr>
-          <a:xfrm>
-            <a:off x="9563493" y="4805910"/>
-            <a:ext cx="407122" cy="0"/>
           </a:xfrm>
           <a:prstGeom prst="straightConnector1">
             <a:avLst/>
@@ -15973,7 +15741,7 @@
         </p:nvCxnSpPr>
         <p:spPr>
           <a:xfrm>
-            <a:off x="9035592" y="3630549"/>
+            <a:off x="9238535" y="4183149"/>
             <a:ext cx="390533" cy="0"/>
           </a:xfrm>
           <a:prstGeom prst="straightConnector1">
@@ -16012,7 +15780,7 @@
         </p:nvSpPr>
         <p:spPr>
           <a:xfrm>
-            <a:off x="9426125" y="3477031"/>
+            <a:off x="9629068" y="4029631"/>
             <a:ext cx="2166396" cy="307036"/>
           </a:xfrm>
           <a:prstGeom prst="roundRect">
